--- a/HayagreevDilip/Boiler_Quant_Onboarding.pptx
+++ b/HayagreevDilip/Boiler_Quant_Onboarding.pptx
@@ -9752,13 +9752,29 @@
                 <a:spcPts val="1200"/>
               </a:spcBef>
               <a:spcAft>
-                <a:spcPts val="1200"/>
+                <a:spcPts val="0"/>
               </a:spcAft>
               <a:buNone/>
             </a:pPr>
             <a:r>
               <a:rPr lang="en"/>
               <a:t>- Keep the stocks with the highest score in our portfolio, sell stock with least score in portfolio to get money for the trade (only do this if the stock ot be added has a higher score than the stock to be removed)</a:t>
+            </a:r>
+            <a:endParaRPr/>
+          </a:p>
+          <a:p>
+            <a:pPr indent="0" lvl="0" marL="0" rtl="0" algn="l">
+              <a:spcBef>
+                <a:spcPts val="1200"/>
+              </a:spcBef>
+              <a:spcAft>
+                <a:spcPts val="1200"/>
+              </a:spcAft>
+              <a:buNone/>
+            </a:pPr>
+            <a:r>
+              <a:rPr lang="en"/>
+              <a:t>- Diversification: Only buy 15000 to 20000 of any particular stock</a:t>
             </a:r>
             <a:endParaRPr/>
           </a:p>
